--- a/Minisite/structure_minisite_v2.pptx
+++ b/Minisite/structure_minisite_v2.pptx
@@ -1095,8 +1095,8 @@
     <dgm:cxn modelId="{74695FD9-3B07-47ED-8C69-6700AC8809B3}" type="presOf" srcId="{992FCA24-15B1-4CC6-80BB-8534D749F4B0}" destId="{ED0779DC-88AE-46C6-AA39-0282BE10636C}" srcOrd="0" destOrd="0" presId="urn:microsoft.com/office/officeart/2005/8/layout/default"/>
     <dgm:cxn modelId="{3BA988E0-C5B1-4CC1-A05F-DC199691EEDC}" srcId="{82F52ADC-57B8-472B-8654-989DA68ED066}" destId="{992FCA24-15B1-4CC6-80BB-8534D749F4B0}" srcOrd="3" destOrd="0" parTransId="{082AAC73-CB70-4414-8EF0-9B4848C0B93E}" sibTransId="{BED00C72-7148-495C-9582-31FF0DE98F05}"/>
     <dgm:cxn modelId="{C0149ED3-27D5-401B-9AF6-A15015DF97C8}" type="presOf" srcId="{5BF13658-789E-4DCF-880B-9B3BD6FDECCE}" destId="{F54C23B0-C633-4C6C-8AA6-E26A85F5F414}" srcOrd="0" destOrd="0" presId="urn:microsoft.com/office/officeart/2005/8/layout/default"/>
+    <dgm:cxn modelId="{05672A34-F197-49F4-80D9-3F65314A2A6E}" type="presOf" srcId="{82F52ADC-57B8-472B-8654-989DA68ED066}" destId="{81A52D0E-BBF8-4DC8-95FA-DED3F4CCF4B6}" srcOrd="0" destOrd="0" presId="urn:microsoft.com/office/officeart/2005/8/layout/default"/>
     <dgm:cxn modelId="{AC028902-8992-4306-ADC7-2E0C93A8BC19}" srcId="{82F52ADC-57B8-472B-8654-989DA68ED066}" destId="{5BF13658-789E-4DCF-880B-9B3BD6FDECCE}" srcOrd="1" destOrd="0" parTransId="{D3BBC7A1-61CB-48BB-9861-2BCBEC5BE198}" sibTransId="{DA9174FB-29BB-4C60-A2F2-CDA0E6931329}"/>
-    <dgm:cxn modelId="{05672A34-F197-49F4-80D9-3F65314A2A6E}" type="presOf" srcId="{82F52ADC-57B8-472B-8654-989DA68ED066}" destId="{81A52D0E-BBF8-4DC8-95FA-DED3F4CCF4B6}" srcOrd="0" destOrd="0" presId="urn:microsoft.com/office/officeart/2005/8/layout/default"/>
     <dgm:cxn modelId="{A89D73BE-CA28-4971-8661-9AA5380B6AD8}" type="presOf" srcId="{9B661658-1732-43CA-8D22-7A5E451EC2EB}" destId="{E859EB50-BA73-4F54-8153-8C21319E1B71}" srcOrd="0" destOrd="0" presId="urn:microsoft.com/office/officeart/2005/8/layout/default"/>
     <dgm:cxn modelId="{32D1E576-E664-4CC7-875B-978BD5670A48}" type="presParOf" srcId="{81A52D0E-BBF8-4DC8-95FA-DED3F4CCF4B6}" destId="{E859EB50-BA73-4F54-8153-8C21319E1B71}" srcOrd="0" destOrd="0" presId="urn:microsoft.com/office/officeart/2005/8/layout/default"/>
     <dgm:cxn modelId="{CB05563E-175D-41F5-B73F-642C73012489}" type="presParOf" srcId="{81A52D0E-BBF8-4DC8-95FA-DED3F4CCF4B6}" destId="{AA2EF59D-F3B5-481C-9D50-69A36FD46910}" srcOrd="1" destOrd="0" presId="urn:microsoft.com/office/officeart/2005/8/layout/default"/>
@@ -6197,41 +6197,9 @@
               <a:rPr lang="fr-FR" dirty="0">
                 <a:hlinkClick r:id="rId4" action="ppaction://hlinksldjump"/>
               </a:rPr>
-              <a:t>Analyses</a:t>
+              <a:t>Analyses/articles</a:t>
             </a:r>
             <a:endParaRPr lang="fr-FR" dirty="0"/>
-          </a:p>
-        </p:txBody>
-      </p:sp>
-      <p:sp>
-        <p:nvSpPr>
-          <p:cNvPr id="7" name="ZoneTexte 6"/>
-          <p:cNvSpPr txBox="1"/>
-          <p:nvPr/>
-        </p:nvSpPr>
-        <p:spPr>
-          <a:xfrm>
-            <a:off x="266699" y="1498015"/>
-            <a:ext cx="3816676" cy="307777"/>
-          </a:xfrm>
-          <a:prstGeom prst="rect">
-            <a:avLst/>
-          </a:prstGeom>
-          <a:noFill/>
-          <a:ln>
-            <a:noFill/>
-          </a:ln>
-        </p:spPr>
-        <p:txBody>
-          <a:bodyPr wrap="square" rtlCol="0">
-            <a:spAutoFit/>
-          </a:bodyPr>
-          <a:lstStyle/>
-          <a:p>
-            <a:r>
-              <a:rPr lang="fr-FR" sz="1400" dirty="0"/>
-              <a:t>Les élections en un coup d’œil</a:t>
-            </a:r>
           </a:p>
         </p:txBody>
       </p:sp>
@@ -6243,8 +6211,8 @@
         </p:nvSpPr>
         <p:spPr>
           <a:xfrm>
-            <a:off x="335279" y="1801296"/>
-            <a:ext cx="1665357" cy="896183"/>
+            <a:off x="335279" y="1581070"/>
+            <a:ext cx="2463589" cy="1116410"/>
           </a:xfrm>
           <a:prstGeom prst="rect">
             <a:avLst/>
@@ -6276,7 +6244,18 @@
                   <a:schemeClr val="dk1"/>
                 </a:solidFill>
               </a:rPr>
-              <a:t>Le podium (combinaison de nos analyses pour donner le candidat en vogue)</a:t>
+              <a:t>Le podium </a:t>
+            </a:r>
+          </a:p>
+          <a:p>
+            <a:pPr algn="ctr"/>
+            <a:r>
+              <a:rPr lang="fr-FR" sz="1200" dirty="0">
+                <a:solidFill>
+                  <a:schemeClr val="dk1"/>
+                </a:solidFill>
+              </a:rPr>
+              <a:t>(combinaison de nos analyses pour donner le candidat en vogue)</a:t>
             </a:r>
           </a:p>
         </p:txBody>
@@ -6289,8 +6268,8 @@
         </p:nvSpPr>
         <p:spPr>
           <a:xfrm>
-            <a:off x="2153036" y="1801296"/>
-            <a:ext cx="4296482" cy="896183"/>
+            <a:off x="2955255" y="1581070"/>
+            <a:ext cx="3498250" cy="1116410"/>
           </a:xfrm>
           <a:prstGeom prst="rect">
             <a:avLst/>
@@ -6486,7 +6465,7 @@
         <p:spPr>
           <a:xfrm>
             <a:off x="335279" y="7412772"/>
-            <a:ext cx="6114238" cy="2493228"/>
+            <a:ext cx="6114238" cy="2432051"/>
           </a:xfrm>
           <a:prstGeom prst="rect">
             <a:avLst/>
@@ -6908,42 +6887,6 @@
           <a:p>
             <a:pPr algn="ctr"/>
             <a:endParaRPr lang="fr-FR"/>
-          </a:p>
-        </p:txBody>
-      </p:sp>
-      <p:sp>
-        <p:nvSpPr>
-          <p:cNvPr id="29" name="ZoneTexte 28"/>
-          <p:cNvSpPr txBox="1"/>
-          <p:nvPr/>
-        </p:nvSpPr>
-        <p:spPr>
-          <a:xfrm flipH="1">
-            <a:off x="3851816" y="-157090"/>
-            <a:ext cx="2368648" cy="523220"/>
-          </a:xfrm>
-          <a:prstGeom prst="rect">
-            <a:avLst/>
-          </a:prstGeom>
-          <a:solidFill>
-            <a:srgbClr val="FFC000"/>
-          </a:solidFill>
-        </p:spPr>
-        <p:txBody>
-          <a:bodyPr wrap="square" rtlCol="0">
-            <a:spAutoFit/>
-          </a:bodyPr>
-          <a:lstStyle/>
-          <a:p>
-            <a:pPr algn="ctr"/>
-            <a:r>
-              <a:rPr lang="fr-FR" sz="1400" dirty="0" err="1"/>
-              <a:t>Cf</a:t>
-            </a:r>
-            <a:r>
-              <a:rPr lang="fr-FR" sz="1400" dirty="0"/>
-              <a:t> la partie commentaire des slides pour plus de détails</a:t>
-            </a:r>
           </a:p>
         </p:txBody>
       </p:sp>
@@ -8322,7 +8265,7 @@
         </p:nvSpPr>
         <p:spPr>
           <a:xfrm>
-            <a:off x="182880" y="1621482"/>
+            <a:off x="182880" y="1463823"/>
             <a:ext cx="6477000" cy="3233546"/>
           </a:xfrm>
           <a:prstGeom prst="rect">
@@ -8380,7 +8323,7 @@
         </p:nvSpPr>
         <p:spPr>
           <a:xfrm>
-            <a:off x="178797" y="4998710"/>
+            <a:off x="178797" y="4841051"/>
             <a:ext cx="6481081" cy="3287971"/>
           </a:xfrm>
           <a:prstGeom prst="rect">
@@ -8429,7 +8372,7 @@
         </p:blipFill>
         <p:spPr>
           <a:xfrm>
-            <a:off x="1796234" y="1981544"/>
+            <a:off x="1796234" y="1823885"/>
             <a:ext cx="3246209" cy="1877832"/>
           </a:xfrm>
           <a:prstGeom prst="rect">
@@ -8445,8 +8388,8 @@
         </p:nvSpPr>
         <p:spPr>
           <a:xfrm>
-            <a:off x="178797" y="8430363"/>
-            <a:ext cx="6481081" cy="1475637"/>
+            <a:off x="178797" y="8272704"/>
+            <a:ext cx="6481081" cy="1633296"/>
           </a:xfrm>
           <a:prstGeom prst="rect">
             <a:avLst/>
@@ -8487,7 +8430,7 @@
         </p:nvSpPr>
         <p:spPr>
           <a:xfrm>
-            <a:off x="178797" y="4024031"/>
+            <a:off x="178797" y="3866372"/>
             <a:ext cx="6481080" cy="830997"/>
           </a:xfrm>
           <a:prstGeom prst="rect">
@@ -8546,7 +8489,7 @@
         </p:nvSpPr>
         <p:spPr>
           <a:xfrm>
-            <a:off x="188460" y="7455684"/>
+            <a:off x="188460" y="7298025"/>
             <a:ext cx="6481080" cy="830997"/>
           </a:xfrm>
           <a:prstGeom prst="rect">
